--- a/rel-electro-immersif-originals/entree_analogique.pptx
+++ b/rel-electro-immersif-originals/entree_analogique.pptx
@@ -121,16 +121,56 @@
 </p:presentation>
 </file>
 
-<file path=ppt/revisionInfo.xml><?xml version="1.0" encoding="utf-8"?>
-<p1510:revInfo xmlns:a="http://schemas.openxmlformats.org/drawingml/2006/main" xmlns:r="http://schemas.openxmlformats.org/officeDocument/2006/relationships" xmlns:p1510="http://schemas.microsoft.com/office/powerpoint/2015/10/main">
-  <p1510:revLst>
-    <p1510:client id="{39692FF9-9ACC-422A-B3B0-8FF286BCD43D}" v="1" dt="2022-09-12T20:03:59.244"/>
-  </p1510:revLst>
-</p1510:revInfo>
-</file>
-
 <file path=ppt/changesInfos/changesInfo1.xml><?xml version="1.0" encoding="utf-8"?>
 <pc:chgInfo xmlns:a="http://schemas.openxmlformats.org/drawingml/2006/main" xmlns:r="http://schemas.openxmlformats.org/officeDocument/2006/relationships" xmlns:ac="http://schemas.microsoft.com/office/drawing/2013/main/command" xmlns:pc="http://schemas.microsoft.com/office/powerpoint/2013/main/command">
+  <pc:docChgLst>
+    <pc:chgData name="Thomas O Fredericks" userId="9a40f032a9b16fc7" providerId="LiveId" clId="{D618F5E1-54F6-451A-827F-E75803C7F6F3}"/>
+    <pc:docChg chg="custSel modSld">
+      <pc:chgData name="Thomas O Fredericks" userId="9a40f032a9b16fc7" providerId="LiveId" clId="{D618F5E1-54F6-451A-827F-E75803C7F6F3}" dt="2022-09-20T21:22:50.758" v="63" actId="1076"/>
+      <pc:docMkLst>
+        <pc:docMk/>
+      </pc:docMkLst>
+      <pc:sldChg chg="addSp delSp modSp mod">
+        <pc:chgData name="Thomas O Fredericks" userId="9a40f032a9b16fc7" providerId="LiveId" clId="{D618F5E1-54F6-451A-827F-E75803C7F6F3}" dt="2022-09-20T21:22:50.758" v="63" actId="1076"/>
+        <pc:sldMkLst>
+          <pc:docMk/>
+          <pc:sldMk cId="2253050449" sldId="2940"/>
+        </pc:sldMkLst>
+        <pc:spChg chg="del">
+          <ac:chgData name="Thomas O Fredericks" userId="9a40f032a9b16fc7" providerId="LiveId" clId="{D618F5E1-54F6-451A-827F-E75803C7F6F3}" dt="2022-09-20T21:21:32.803" v="0" actId="478"/>
+          <ac:spMkLst>
+            <pc:docMk/>
+            <pc:sldMk cId="2253050449" sldId="2940"/>
+            <ac:spMk id="2" creationId="{8B93BD86-1677-4312-9146-A273FB3E9BAC}"/>
+          </ac:spMkLst>
+        </pc:spChg>
+        <pc:spChg chg="add del mod">
+          <ac:chgData name="Thomas O Fredericks" userId="9a40f032a9b16fc7" providerId="LiveId" clId="{D618F5E1-54F6-451A-827F-E75803C7F6F3}" dt="2022-09-20T21:21:34.227" v="1" actId="478"/>
+          <ac:spMkLst>
+            <pc:docMk/>
+            <pc:sldMk cId="2253050449" sldId="2940"/>
+            <ac:spMk id="7" creationId="{A4EC6BF6-B4ED-F9C4-E5BB-7B37CC3A6EC3}"/>
+          </ac:spMkLst>
+        </pc:spChg>
+        <pc:spChg chg="mod">
+          <ac:chgData name="Thomas O Fredericks" userId="9a40f032a9b16fc7" providerId="LiveId" clId="{D618F5E1-54F6-451A-827F-E75803C7F6F3}" dt="2022-09-20T21:22:36.346" v="62" actId="20577"/>
+          <ac:spMkLst>
+            <pc:docMk/>
+            <pc:sldMk cId="2253050449" sldId="2940"/>
+            <ac:spMk id="53" creationId="{B86C93ED-5AD3-45F8-BBD9-B7285DF87FC0}"/>
+          </ac:spMkLst>
+        </pc:spChg>
+        <pc:grpChg chg="mod">
+          <ac:chgData name="Thomas O Fredericks" userId="9a40f032a9b16fc7" providerId="LiveId" clId="{D618F5E1-54F6-451A-827F-E75803C7F6F3}" dt="2022-09-20T21:22:50.758" v="63" actId="1076"/>
+          <ac:grpSpMkLst>
+            <pc:docMk/>
+            <pc:sldMk cId="2253050449" sldId="2940"/>
+            <ac:grpSpMk id="9" creationId="{C3DD557E-F735-4F98-9C8F-F637A7AD9B27}"/>
+          </ac:grpSpMkLst>
+        </pc:grpChg>
+      </pc:sldChg>
+    </pc:docChg>
+  </pc:docChgLst>
   <pc:docChgLst>
     <pc:chgData name="Thomas O Fredericks" userId="9a40f032a9b16fc7" providerId="LiveId" clId="{0070C532-8D39-4810-9AFC-FBE77E81F1D7}"/>
     <pc:docChg chg="addSld delSld modSld">
@@ -306,7 +346,7 @@
           <a:p>
             <a:fld id="{DCDD5F17-F228-4C32-BB08-C02CB1CDA8CD}" type="datetimeFigureOut">
               <a:rPr lang="fr-CA" smtClean="0"/>
-              <a:t>2022-09-12</a:t>
+              <a:t>2022-09-20</a:t>
             </a:fld>
             <a:endParaRPr lang="fr-CA"/>
           </a:p>
@@ -360,7 +400,7 @@
           <a:p>
             <a:fld id="{F4C4E7BF-5668-49E5-BD2A-F7C89328E1EC}" type="slidenum">
               <a:rPr lang="fr-CA" smtClean="0"/>
-              <a:t>‹N°›</a:t>
+              <a:t>‹#›</a:t>
             </a:fld>
             <a:endParaRPr lang="fr-CA"/>
           </a:p>
@@ -506,7 +546,7 @@
           <a:p>
             <a:fld id="{DCDD5F17-F228-4C32-BB08-C02CB1CDA8CD}" type="datetimeFigureOut">
               <a:rPr lang="fr-CA" smtClean="0"/>
-              <a:t>2022-09-12</a:t>
+              <a:t>2022-09-20</a:t>
             </a:fld>
             <a:endParaRPr lang="fr-CA"/>
           </a:p>
@@ -560,7 +600,7 @@
           <a:p>
             <a:fld id="{F4C4E7BF-5668-49E5-BD2A-F7C89328E1EC}" type="slidenum">
               <a:rPr lang="fr-CA" smtClean="0"/>
-              <a:t>‹N°›</a:t>
+              <a:t>‹#›</a:t>
             </a:fld>
             <a:endParaRPr lang="fr-CA"/>
           </a:p>
@@ -716,7 +756,7 @@
           <a:p>
             <a:fld id="{DCDD5F17-F228-4C32-BB08-C02CB1CDA8CD}" type="datetimeFigureOut">
               <a:rPr lang="fr-CA" smtClean="0"/>
-              <a:t>2022-09-12</a:t>
+              <a:t>2022-09-20</a:t>
             </a:fld>
             <a:endParaRPr lang="fr-CA"/>
           </a:p>
@@ -770,7 +810,7 @@
           <a:p>
             <a:fld id="{F4C4E7BF-5668-49E5-BD2A-F7C89328E1EC}" type="slidenum">
               <a:rPr lang="fr-CA" smtClean="0"/>
-              <a:t>‹N°›</a:t>
+              <a:t>‹#›</a:t>
             </a:fld>
             <a:endParaRPr lang="fr-CA"/>
           </a:p>
@@ -916,7 +956,7 @@
           <a:p>
             <a:fld id="{DCDD5F17-F228-4C32-BB08-C02CB1CDA8CD}" type="datetimeFigureOut">
               <a:rPr lang="fr-CA" smtClean="0"/>
-              <a:t>2022-09-12</a:t>
+              <a:t>2022-09-20</a:t>
             </a:fld>
             <a:endParaRPr lang="fr-CA"/>
           </a:p>
@@ -970,7 +1010,7 @@
           <a:p>
             <a:fld id="{F4C4E7BF-5668-49E5-BD2A-F7C89328E1EC}" type="slidenum">
               <a:rPr lang="fr-CA" smtClean="0"/>
-              <a:t>‹N°›</a:t>
+              <a:t>‹#›</a:t>
             </a:fld>
             <a:endParaRPr lang="fr-CA"/>
           </a:p>
@@ -1192,7 +1232,7 @@
           <a:p>
             <a:fld id="{DCDD5F17-F228-4C32-BB08-C02CB1CDA8CD}" type="datetimeFigureOut">
               <a:rPr lang="fr-CA" smtClean="0"/>
-              <a:t>2022-09-12</a:t>
+              <a:t>2022-09-20</a:t>
             </a:fld>
             <a:endParaRPr lang="fr-CA"/>
           </a:p>
@@ -1246,7 +1286,7 @@
           <a:p>
             <a:fld id="{F4C4E7BF-5668-49E5-BD2A-F7C89328E1EC}" type="slidenum">
               <a:rPr lang="fr-CA" smtClean="0"/>
-              <a:t>‹N°›</a:t>
+              <a:t>‹#›</a:t>
             </a:fld>
             <a:endParaRPr lang="fr-CA"/>
           </a:p>
@@ -1460,7 +1500,7 @@
           <a:p>
             <a:fld id="{DCDD5F17-F228-4C32-BB08-C02CB1CDA8CD}" type="datetimeFigureOut">
               <a:rPr lang="fr-CA" smtClean="0"/>
-              <a:t>2022-09-12</a:t>
+              <a:t>2022-09-20</a:t>
             </a:fld>
             <a:endParaRPr lang="fr-CA"/>
           </a:p>
@@ -1514,7 +1554,7 @@
           <a:p>
             <a:fld id="{F4C4E7BF-5668-49E5-BD2A-F7C89328E1EC}" type="slidenum">
               <a:rPr lang="fr-CA" smtClean="0"/>
-              <a:t>‹N°›</a:t>
+              <a:t>‹#›</a:t>
             </a:fld>
             <a:endParaRPr lang="fr-CA"/>
           </a:p>
@@ -1875,7 +1915,7 @@
           <a:p>
             <a:fld id="{DCDD5F17-F228-4C32-BB08-C02CB1CDA8CD}" type="datetimeFigureOut">
               <a:rPr lang="fr-CA" smtClean="0"/>
-              <a:t>2022-09-12</a:t>
+              <a:t>2022-09-20</a:t>
             </a:fld>
             <a:endParaRPr lang="fr-CA"/>
           </a:p>
@@ -1929,7 +1969,7 @@
           <a:p>
             <a:fld id="{F4C4E7BF-5668-49E5-BD2A-F7C89328E1EC}" type="slidenum">
               <a:rPr lang="fr-CA" smtClean="0"/>
-              <a:t>‹N°›</a:t>
+              <a:t>‹#›</a:t>
             </a:fld>
             <a:endParaRPr lang="fr-CA"/>
           </a:p>
@@ -2017,7 +2057,7 @@
           <a:p>
             <a:fld id="{DCDD5F17-F228-4C32-BB08-C02CB1CDA8CD}" type="datetimeFigureOut">
               <a:rPr lang="fr-CA" smtClean="0"/>
-              <a:t>2022-09-12</a:t>
+              <a:t>2022-09-20</a:t>
             </a:fld>
             <a:endParaRPr lang="fr-CA"/>
           </a:p>
@@ -2071,7 +2111,7 @@
           <a:p>
             <a:fld id="{F4C4E7BF-5668-49E5-BD2A-F7C89328E1EC}" type="slidenum">
               <a:rPr lang="fr-CA" smtClean="0"/>
-              <a:t>‹N°›</a:t>
+              <a:t>‹#›</a:t>
             </a:fld>
             <a:endParaRPr lang="fr-CA"/>
           </a:p>
@@ -2130,7 +2170,7 @@
           <a:p>
             <a:fld id="{DCDD5F17-F228-4C32-BB08-C02CB1CDA8CD}" type="datetimeFigureOut">
               <a:rPr lang="fr-CA" smtClean="0"/>
-              <a:t>2022-09-12</a:t>
+              <a:t>2022-09-20</a:t>
             </a:fld>
             <a:endParaRPr lang="fr-CA"/>
           </a:p>
@@ -2184,7 +2224,7 @@
           <a:p>
             <a:fld id="{F4C4E7BF-5668-49E5-BD2A-F7C89328E1EC}" type="slidenum">
               <a:rPr lang="fr-CA" smtClean="0"/>
-              <a:t>‹N°›</a:t>
+              <a:t>‹#›</a:t>
             </a:fld>
             <a:endParaRPr lang="fr-CA"/>
           </a:p>
@@ -2443,7 +2483,7 @@
           <a:p>
             <a:fld id="{DCDD5F17-F228-4C32-BB08-C02CB1CDA8CD}" type="datetimeFigureOut">
               <a:rPr lang="fr-CA" smtClean="0"/>
-              <a:t>2022-09-12</a:t>
+              <a:t>2022-09-20</a:t>
             </a:fld>
             <a:endParaRPr lang="fr-CA"/>
           </a:p>
@@ -2497,7 +2537,7 @@
           <a:p>
             <a:fld id="{F4C4E7BF-5668-49E5-BD2A-F7C89328E1EC}" type="slidenum">
               <a:rPr lang="fr-CA" smtClean="0"/>
-              <a:t>‹N°›</a:t>
+              <a:t>‹#›</a:t>
             </a:fld>
             <a:endParaRPr lang="fr-CA"/>
           </a:p>
@@ -2732,7 +2772,7 @@
           <a:p>
             <a:fld id="{DCDD5F17-F228-4C32-BB08-C02CB1CDA8CD}" type="datetimeFigureOut">
               <a:rPr lang="fr-CA" smtClean="0"/>
-              <a:t>2022-09-12</a:t>
+              <a:t>2022-09-20</a:t>
             </a:fld>
             <a:endParaRPr lang="fr-CA"/>
           </a:p>
@@ -2786,7 +2826,7 @@
           <a:p>
             <a:fld id="{F4C4E7BF-5668-49E5-BD2A-F7C89328E1EC}" type="slidenum">
               <a:rPr lang="fr-CA" smtClean="0"/>
-              <a:t>‹N°›</a:t>
+              <a:t>‹#›</a:t>
             </a:fld>
             <a:endParaRPr lang="fr-CA"/>
           </a:p>
@@ -2975,7 +3015,7 @@
           <a:p>
             <a:fld id="{DCDD5F17-F228-4C32-BB08-C02CB1CDA8CD}" type="datetimeFigureOut">
               <a:rPr lang="fr-CA" smtClean="0"/>
-              <a:t>2022-09-12</a:t>
+              <a:t>2022-09-20</a:t>
             </a:fld>
             <a:endParaRPr lang="fr-CA"/>
           </a:p>
@@ -3065,7 +3105,7 @@
           <a:p>
             <a:fld id="{F4C4E7BF-5668-49E5-BD2A-F7C89328E1EC}" type="slidenum">
               <a:rPr lang="fr-CA" smtClean="0"/>
-              <a:t>‹N°›</a:t>
+              <a:t>‹#›</a:t>
             </a:fld>
             <a:endParaRPr lang="fr-CA"/>
           </a:p>
@@ -3394,50 +3434,6 @@
       </p:grpSpPr>
       <p:sp>
         <p:nvSpPr>
-          <p:cNvPr id="2" name="Titre 1">
-            <a:extLst>
-              <a:ext uri="{FF2B5EF4-FFF2-40B4-BE49-F238E27FC236}">
-                <a16:creationId xmlns:a16="http://schemas.microsoft.com/office/drawing/2014/main" id="{8B93BD86-1677-4312-9146-A273FB3E9BAC}"/>
-              </a:ext>
-            </a:extLst>
-          </p:cNvPr>
-          <p:cNvSpPr>
-            <a:spLocks noGrp="1"/>
-          </p:cNvSpPr>
-          <p:nvPr>
-            <p:ph type="title"/>
-          </p:nvPr>
-        </p:nvSpPr>
-        <p:spPr>
-          <a:xfrm>
-            <a:off x="838200" y="365126"/>
-            <a:ext cx="10515600" cy="745828"/>
-          </a:xfrm>
-        </p:spPr>
-        <p:txBody>
-          <a:bodyPr>
-            <a:noAutofit/>
-          </a:bodyPr>
-          <a:lstStyle/>
-          <a:p>
-            <a:r>
-              <a:rPr lang="en-CA" sz="3600" dirty="0"/>
-              <a:t>MESURER UNE TENSION AVEC </a:t>
-            </a:r>
-            <a:r>
-              <a:rPr lang="en-CA" sz="3600" dirty="0" err="1"/>
-              <a:t>analogRead</a:t>
-            </a:r>
-            <a:r>
-              <a:rPr lang="en-CA" sz="3600" dirty="0"/>
-              <a:t>()</a:t>
-            </a:r>
-            <a:endParaRPr lang="fr-CA" sz="3600" dirty="0"/>
-          </a:p>
-        </p:txBody>
-      </p:sp>
-      <p:sp>
-        <p:nvSpPr>
           <p:cNvPr id="4" name="Rectangle 3">
             <a:extLst>
               <a:ext uri="{FF2B5EF4-FFF2-40B4-BE49-F238E27FC236}">
@@ -3674,7 +3670,7 @@
         </p:nvSpPr>
         <p:spPr>
           <a:xfrm>
-            <a:off x="1082063" y="1742433"/>
+            <a:off x="1082063" y="1611351"/>
             <a:ext cx="4222841" cy="1200329"/>
           </a:xfrm>
           <a:prstGeom prst="rect">
@@ -3702,7 +3698,13 @@
             </a:r>
             <a:r>
               <a:rPr lang="fr-CA" dirty="0"/>
-              <a:t>() mesure une tension d’entrée avec 1024 seuils. La valeur retournée est entre 0 et 1023et est proportionnelle à la tension entre 0V et 5V.</a:t>
+              <a:t>() mesure une tension entre 0V et 5V avec une résolution de 1024 seuils. </a:t>
+            </a:r>
+          </a:p>
+          <a:p>
+            <a:r>
+              <a:rPr lang="fr-CA" dirty="0"/>
+              <a:t>La valeur retournée est entre 0 et 1023.</a:t>
             </a:r>
           </a:p>
         </p:txBody>
@@ -3721,7 +3723,7 @@
         </p:nvGrpSpPr>
         <p:grpSpPr>
           <a:xfrm>
-            <a:off x="1594606" y="2980663"/>
+            <a:off x="1600785" y="3002147"/>
             <a:ext cx="2044419" cy="3229117"/>
             <a:chOff x="4663440" y="1289304"/>
             <a:chExt cx="3115252" cy="4920476"/>
